--- a/ppt 16-9/0878.神爱在人间.pptx
+++ b/ppt 16-9/0878.神爱在人间.pptx
@@ -129,7 +129,7 @@
           <p:cNvPr id="2" name="标题 1">
             <a:extLst>
               <a:ext uri="{FF2B5EF4-FFF2-40B4-BE49-F238E27FC236}">
-                <a16:creationId xmlns:a16="http://schemas.microsoft.com/office/drawing/2014/main" id="{C8AA3B30-A42B-904F-29DC-F43664F96037}"/>
+                <a16:creationId xmlns:a16="http://schemas.microsoft.com/office/drawing/2014/main" id="{ED30B490-24D9-B01A-B8CC-F9C33F0D3605}"/>
               </a:ext>
             </a:extLst>
           </p:cNvPr>
@@ -166,7 +166,7 @@
           <p:cNvPr id="3" name="副标题 2">
             <a:extLst>
               <a:ext uri="{FF2B5EF4-FFF2-40B4-BE49-F238E27FC236}">
-                <a16:creationId xmlns:a16="http://schemas.microsoft.com/office/drawing/2014/main" id="{429E0D1F-90DD-419B-A577-16787C212D16}"/>
+                <a16:creationId xmlns:a16="http://schemas.microsoft.com/office/drawing/2014/main" id="{BF3FBDE2-AD00-66BD-CFE2-47E5B73DB277}"/>
               </a:ext>
             </a:extLst>
           </p:cNvPr>
@@ -236,7 +236,7 @@
           <p:cNvPr id="4" name="日期占位符 3">
             <a:extLst>
               <a:ext uri="{FF2B5EF4-FFF2-40B4-BE49-F238E27FC236}">
-                <a16:creationId xmlns:a16="http://schemas.microsoft.com/office/drawing/2014/main" id="{4723C1F0-30BC-9755-7172-F88673413B88}"/>
+                <a16:creationId xmlns:a16="http://schemas.microsoft.com/office/drawing/2014/main" id="{4E4E18A8-17D5-EF71-D16F-E48F156EB5C4}"/>
               </a:ext>
             </a:extLst>
           </p:cNvPr>
@@ -252,7 +252,7 @@
           <a:bodyPr/>
           <a:lstStyle/>
           <a:p>
-            <a:fld id="{3730D34E-EBB2-4611-AADB-891AE8CACE70}" type="datetimeFigureOut">
+            <a:fld id="{69300511-5164-4E58-8431-41087E263EEB}" type="datetimeFigureOut">
               <a:rPr lang="zh-CN" altLang="en-US" smtClean="0"/>
               <a:t>2024/3/10</a:t>
             </a:fld>
@@ -265,7 +265,7 @@
           <p:cNvPr id="5" name="页脚占位符 4">
             <a:extLst>
               <a:ext uri="{FF2B5EF4-FFF2-40B4-BE49-F238E27FC236}">
-                <a16:creationId xmlns:a16="http://schemas.microsoft.com/office/drawing/2014/main" id="{8F6F8C49-0CFD-20AC-2C2B-4CA0682B045E}"/>
+                <a16:creationId xmlns:a16="http://schemas.microsoft.com/office/drawing/2014/main" id="{556D57CA-2667-51B6-269A-9A71D784C723}"/>
               </a:ext>
             </a:extLst>
           </p:cNvPr>
@@ -290,7 +290,7 @@
           <p:cNvPr id="6" name="灯片编号占位符 5">
             <a:extLst>
               <a:ext uri="{FF2B5EF4-FFF2-40B4-BE49-F238E27FC236}">
-                <a16:creationId xmlns:a16="http://schemas.microsoft.com/office/drawing/2014/main" id="{8ED020E0-73A6-9D2C-5E90-CA2186380F20}"/>
+                <a16:creationId xmlns:a16="http://schemas.microsoft.com/office/drawing/2014/main" id="{425086B9-CF5E-4A88-5E84-6EC77E508DA6}"/>
               </a:ext>
             </a:extLst>
           </p:cNvPr>
@@ -306,7 +306,7 @@
           <a:bodyPr/>
           <a:lstStyle/>
           <a:p>
-            <a:fld id="{6E90E8A1-F3A3-4F0A-B975-73D3644B80B9}" type="slidenum">
+            <a:fld id="{85DF8C5A-037D-45F4-8DCE-E157C8735251}" type="slidenum">
               <a:rPr lang="zh-CN" altLang="en-US" smtClean="0"/>
               <a:t>‹#›</a:t>
             </a:fld>
@@ -317,7 +317,7 @@
     </p:spTree>
     <p:extLst>
       <p:ext uri="{BB962C8B-B14F-4D97-AF65-F5344CB8AC3E}">
-        <p14:creationId xmlns:p14="http://schemas.microsoft.com/office/powerpoint/2010/main" val="659811058"/>
+        <p14:creationId xmlns:p14="http://schemas.microsoft.com/office/powerpoint/2010/main" val="3907407224"/>
       </p:ext>
     </p:extLst>
   </p:cSld>
@@ -349,7 +349,7 @@
           <p:cNvPr id="2" name="标题 1">
             <a:extLst>
               <a:ext uri="{FF2B5EF4-FFF2-40B4-BE49-F238E27FC236}">
-                <a16:creationId xmlns:a16="http://schemas.microsoft.com/office/drawing/2014/main" id="{8E01B150-3AD2-C9C9-02DA-A255FB9AEDF7}"/>
+                <a16:creationId xmlns:a16="http://schemas.microsoft.com/office/drawing/2014/main" id="{AAB264A3-D2DD-42DD-30BD-595124780179}"/>
               </a:ext>
             </a:extLst>
           </p:cNvPr>
@@ -377,7 +377,7 @@
           <p:cNvPr id="3" name="竖排文字占位符 2">
             <a:extLst>
               <a:ext uri="{FF2B5EF4-FFF2-40B4-BE49-F238E27FC236}">
-                <a16:creationId xmlns:a16="http://schemas.microsoft.com/office/drawing/2014/main" id="{870E1178-5BD4-2B8A-15FF-2A2FDF9BAC0A}"/>
+                <a16:creationId xmlns:a16="http://schemas.microsoft.com/office/drawing/2014/main" id="{5D36D2A9-2285-7D8A-FB21-3210F4E10AAC}"/>
               </a:ext>
             </a:extLst>
           </p:cNvPr>
@@ -434,7 +434,7 @@
           <p:cNvPr id="4" name="日期占位符 3">
             <a:extLst>
               <a:ext uri="{FF2B5EF4-FFF2-40B4-BE49-F238E27FC236}">
-                <a16:creationId xmlns:a16="http://schemas.microsoft.com/office/drawing/2014/main" id="{3918C945-5E28-52C6-3A61-91C7157C2763}"/>
+                <a16:creationId xmlns:a16="http://schemas.microsoft.com/office/drawing/2014/main" id="{56F47C81-7165-D78D-023F-1317C20F4029}"/>
               </a:ext>
             </a:extLst>
           </p:cNvPr>
@@ -450,7 +450,7 @@
           <a:bodyPr/>
           <a:lstStyle/>
           <a:p>
-            <a:fld id="{3730D34E-EBB2-4611-AADB-891AE8CACE70}" type="datetimeFigureOut">
+            <a:fld id="{69300511-5164-4E58-8431-41087E263EEB}" type="datetimeFigureOut">
               <a:rPr lang="zh-CN" altLang="en-US" smtClean="0"/>
               <a:t>2024/3/10</a:t>
             </a:fld>
@@ -463,7 +463,7 @@
           <p:cNvPr id="5" name="页脚占位符 4">
             <a:extLst>
               <a:ext uri="{FF2B5EF4-FFF2-40B4-BE49-F238E27FC236}">
-                <a16:creationId xmlns:a16="http://schemas.microsoft.com/office/drawing/2014/main" id="{2109E765-9F64-0730-2B96-DC081AB918BA}"/>
+                <a16:creationId xmlns:a16="http://schemas.microsoft.com/office/drawing/2014/main" id="{F48C4805-D376-D3F7-351A-27FC2D0EC881}"/>
               </a:ext>
             </a:extLst>
           </p:cNvPr>
@@ -488,7 +488,7 @@
           <p:cNvPr id="6" name="灯片编号占位符 5">
             <a:extLst>
               <a:ext uri="{FF2B5EF4-FFF2-40B4-BE49-F238E27FC236}">
-                <a16:creationId xmlns:a16="http://schemas.microsoft.com/office/drawing/2014/main" id="{C3E5A24C-6F7A-D9FA-4CC8-E16B85CFC8C1}"/>
+                <a16:creationId xmlns:a16="http://schemas.microsoft.com/office/drawing/2014/main" id="{7B553AAB-7E21-25DA-19B3-683B426F3019}"/>
               </a:ext>
             </a:extLst>
           </p:cNvPr>
@@ -504,7 +504,7 @@
           <a:bodyPr/>
           <a:lstStyle/>
           <a:p>
-            <a:fld id="{6E90E8A1-F3A3-4F0A-B975-73D3644B80B9}" type="slidenum">
+            <a:fld id="{85DF8C5A-037D-45F4-8DCE-E157C8735251}" type="slidenum">
               <a:rPr lang="zh-CN" altLang="en-US" smtClean="0"/>
               <a:t>‹#›</a:t>
             </a:fld>
@@ -515,7 +515,7 @@
     </p:spTree>
     <p:extLst>
       <p:ext uri="{BB962C8B-B14F-4D97-AF65-F5344CB8AC3E}">
-        <p14:creationId xmlns:p14="http://schemas.microsoft.com/office/powerpoint/2010/main" val="2491616482"/>
+        <p14:creationId xmlns:p14="http://schemas.microsoft.com/office/powerpoint/2010/main" val="2939762229"/>
       </p:ext>
     </p:extLst>
   </p:cSld>
@@ -547,7 +547,7 @@
           <p:cNvPr id="2" name="竖排标题 1">
             <a:extLst>
               <a:ext uri="{FF2B5EF4-FFF2-40B4-BE49-F238E27FC236}">
-                <a16:creationId xmlns:a16="http://schemas.microsoft.com/office/drawing/2014/main" id="{BA5E307D-B8EF-2908-F47A-1FD18521342A}"/>
+                <a16:creationId xmlns:a16="http://schemas.microsoft.com/office/drawing/2014/main" id="{75F62E0E-795C-53DF-025C-741E67575194}"/>
               </a:ext>
             </a:extLst>
           </p:cNvPr>
@@ -580,7 +580,7 @@
           <p:cNvPr id="3" name="竖排文字占位符 2">
             <a:extLst>
               <a:ext uri="{FF2B5EF4-FFF2-40B4-BE49-F238E27FC236}">
-                <a16:creationId xmlns:a16="http://schemas.microsoft.com/office/drawing/2014/main" id="{A3F68654-6449-C229-4F3C-D17E03990D44}"/>
+                <a16:creationId xmlns:a16="http://schemas.microsoft.com/office/drawing/2014/main" id="{33860C52-E5D6-9956-96A8-B7525E15E51E}"/>
               </a:ext>
             </a:extLst>
           </p:cNvPr>
@@ -642,7 +642,7 @@
           <p:cNvPr id="4" name="日期占位符 3">
             <a:extLst>
               <a:ext uri="{FF2B5EF4-FFF2-40B4-BE49-F238E27FC236}">
-                <a16:creationId xmlns:a16="http://schemas.microsoft.com/office/drawing/2014/main" id="{A33D35E0-00CC-64CD-EE8B-857760A26F65}"/>
+                <a16:creationId xmlns:a16="http://schemas.microsoft.com/office/drawing/2014/main" id="{9DD39B05-F665-7BAC-C3B7-16884D07865A}"/>
               </a:ext>
             </a:extLst>
           </p:cNvPr>
@@ -658,7 +658,7 @@
           <a:bodyPr/>
           <a:lstStyle/>
           <a:p>
-            <a:fld id="{3730D34E-EBB2-4611-AADB-891AE8CACE70}" type="datetimeFigureOut">
+            <a:fld id="{69300511-5164-4E58-8431-41087E263EEB}" type="datetimeFigureOut">
               <a:rPr lang="zh-CN" altLang="en-US" smtClean="0"/>
               <a:t>2024/3/10</a:t>
             </a:fld>
@@ -671,7 +671,7 @@
           <p:cNvPr id="5" name="页脚占位符 4">
             <a:extLst>
               <a:ext uri="{FF2B5EF4-FFF2-40B4-BE49-F238E27FC236}">
-                <a16:creationId xmlns:a16="http://schemas.microsoft.com/office/drawing/2014/main" id="{DF5B0AA6-1398-5880-1140-63CD23BF33B9}"/>
+                <a16:creationId xmlns:a16="http://schemas.microsoft.com/office/drawing/2014/main" id="{407FD85E-D33B-C8ED-254F-B792F06AAC55}"/>
               </a:ext>
             </a:extLst>
           </p:cNvPr>
@@ -696,7 +696,7 @@
           <p:cNvPr id="6" name="灯片编号占位符 5">
             <a:extLst>
               <a:ext uri="{FF2B5EF4-FFF2-40B4-BE49-F238E27FC236}">
-                <a16:creationId xmlns:a16="http://schemas.microsoft.com/office/drawing/2014/main" id="{A44910FF-D647-6DD7-393A-4A33C432B3C9}"/>
+                <a16:creationId xmlns:a16="http://schemas.microsoft.com/office/drawing/2014/main" id="{8B6682F7-B6BC-1B8D-EE1C-5EB3AC4B2B69}"/>
               </a:ext>
             </a:extLst>
           </p:cNvPr>
@@ -712,7 +712,7 @@
           <a:bodyPr/>
           <a:lstStyle/>
           <a:p>
-            <a:fld id="{6E90E8A1-F3A3-4F0A-B975-73D3644B80B9}" type="slidenum">
+            <a:fld id="{85DF8C5A-037D-45F4-8DCE-E157C8735251}" type="slidenum">
               <a:rPr lang="zh-CN" altLang="en-US" smtClean="0"/>
               <a:t>‹#›</a:t>
             </a:fld>
@@ -723,7 +723,7 @@
     </p:spTree>
     <p:extLst>
       <p:ext uri="{BB962C8B-B14F-4D97-AF65-F5344CB8AC3E}">
-        <p14:creationId xmlns:p14="http://schemas.microsoft.com/office/powerpoint/2010/main" val="2054623491"/>
+        <p14:creationId xmlns:p14="http://schemas.microsoft.com/office/powerpoint/2010/main" val="1616357081"/>
       </p:ext>
     </p:extLst>
   </p:cSld>
@@ -755,7 +755,7 @@
           <p:cNvPr id="2" name="标题 1">
             <a:extLst>
               <a:ext uri="{FF2B5EF4-FFF2-40B4-BE49-F238E27FC236}">
-                <a16:creationId xmlns:a16="http://schemas.microsoft.com/office/drawing/2014/main" id="{3E8355BF-ECAD-3144-E5A0-BE47BE5AABC1}"/>
+                <a16:creationId xmlns:a16="http://schemas.microsoft.com/office/drawing/2014/main" id="{632C359E-AA8B-E4D4-2259-25A55A0D5274}"/>
               </a:ext>
             </a:extLst>
           </p:cNvPr>
@@ -783,7 +783,7 @@
           <p:cNvPr id="3" name="内容占位符 2">
             <a:extLst>
               <a:ext uri="{FF2B5EF4-FFF2-40B4-BE49-F238E27FC236}">
-                <a16:creationId xmlns:a16="http://schemas.microsoft.com/office/drawing/2014/main" id="{2D498908-1A26-D206-D356-91EE1905CF43}"/>
+                <a16:creationId xmlns:a16="http://schemas.microsoft.com/office/drawing/2014/main" id="{F9B81A13-6D0C-508B-AAB3-C4B8CBB0F7FF}"/>
               </a:ext>
             </a:extLst>
           </p:cNvPr>
@@ -840,7 +840,7 @@
           <p:cNvPr id="4" name="日期占位符 3">
             <a:extLst>
               <a:ext uri="{FF2B5EF4-FFF2-40B4-BE49-F238E27FC236}">
-                <a16:creationId xmlns:a16="http://schemas.microsoft.com/office/drawing/2014/main" id="{AF8F0601-A368-9EDE-1ADD-1899C678B93A}"/>
+                <a16:creationId xmlns:a16="http://schemas.microsoft.com/office/drawing/2014/main" id="{86446A92-BA7B-94E1-42F8-26DCAFDCD07E}"/>
               </a:ext>
             </a:extLst>
           </p:cNvPr>
@@ -856,7 +856,7 @@
           <a:bodyPr/>
           <a:lstStyle/>
           <a:p>
-            <a:fld id="{3730D34E-EBB2-4611-AADB-891AE8CACE70}" type="datetimeFigureOut">
+            <a:fld id="{69300511-5164-4E58-8431-41087E263EEB}" type="datetimeFigureOut">
               <a:rPr lang="zh-CN" altLang="en-US" smtClean="0"/>
               <a:t>2024/3/10</a:t>
             </a:fld>
@@ -869,7 +869,7 @@
           <p:cNvPr id="5" name="页脚占位符 4">
             <a:extLst>
               <a:ext uri="{FF2B5EF4-FFF2-40B4-BE49-F238E27FC236}">
-                <a16:creationId xmlns:a16="http://schemas.microsoft.com/office/drawing/2014/main" id="{869B143F-0658-8563-CE98-EEFDE4E26B7D}"/>
+                <a16:creationId xmlns:a16="http://schemas.microsoft.com/office/drawing/2014/main" id="{78F22787-DC7D-862A-DA2A-FCA8570E4CAE}"/>
               </a:ext>
             </a:extLst>
           </p:cNvPr>
@@ -894,7 +894,7 @@
           <p:cNvPr id="6" name="灯片编号占位符 5">
             <a:extLst>
               <a:ext uri="{FF2B5EF4-FFF2-40B4-BE49-F238E27FC236}">
-                <a16:creationId xmlns:a16="http://schemas.microsoft.com/office/drawing/2014/main" id="{715F8B74-6F33-BDB9-1C0C-0D0CE7D90F52}"/>
+                <a16:creationId xmlns:a16="http://schemas.microsoft.com/office/drawing/2014/main" id="{455E5DB4-FE89-B6A6-4FDE-23E0A2D8C409}"/>
               </a:ext>
             </a:extLst>
           </p:cNvPr>
@@ -910,7 +910,7 @@
           <a:bodyPr/>
           <a:lstStyle/>
           <a:p>
-            <a:fld id="{6E90E8A1-F3A3-4F0A-B975-73D3644B80B9}" type="slidenum">
+            <a:fld id="{85DF8C5A-037D-45F4-8DCE-E157C8735251}" type="slidenum">
               <a:rPr lang="zh-CN" altLang="en-US" smtClean="0"/>
               <a:t>‹#›</a:t>
             </a:fld>
@@ -921,7 +921,7 @@
     </p:spTree>
     <p:extLst>
       <p:ext uri="{BB962C8B-B14F-4D97-AF65-F5344CB8AC3E}">
-        <p14:creationId xmlns:p14="http://schemas.microsoft.com/office/powerpoint/2010/main" val="327560592"/>
+        <p14:creationId xmlns:p14="http://schemas.microsoft.com/office/powerpoint/2010/main" val="1762887621"/>
       </p:ext>
     </p:extLst>
   </p:cSld>
@@ -953,7 +953,7 @@
           <p:cNvPr id="2" name="标题 1">
             <a:extLst>
               <a:ext uri="{FF2B5EF4-FFF2-40B4-BE49-F238E27FC236}">
-                <a16:creationId xmlns:a16="http://schemas.microsoft.com/office/drawing/2014/main" id="{4ABACC96-F007-F88E-0465-FC76A9D5074B}"/>
+                <a16:creationId xmlns:a16="http://schemas.microsoft.com/office/drawing/2014/main" id="{40C156AD-6295-F82C-7E3F-D2BCAC976DF7}"/>
               </a:ext>
             </a:extLst>
           </p:cNvPr>
@@ -990,7 +990,7 @@
           <p:cNvPr id="3" name="文本占位符 2">
             <a:extLst>
               <a:ext uri="{FF2B5EF4-FFF2-40B4-BE49-F238E27FC236}">
-                <a16:creationId xmlns:a16="http://schemas.microsoft.com/office/drawing/2014/main" id="{60823276-2C67-EE13-C727-6C058AB06916}"/>
+                <a16:creationId xmlns:a16="http://schemas.microsoft.com/office/drawing/2014/main" id="{DFBD31BD-98A2-6B20-F84B-A627D3119027}"/>
               </a:ext>
             </a:extLst>
           </p:cNvPr>
@@ -1115,7 +1115,7 @@
           <p:cNvPr id="4" name="日期占位符 3">
             <a:extLst>
               <a:ext uri="{FF2B5EF4-FFF2-40B4-BE49-F238E27FC236}">
-                <a16:creationId xmlns:a16="http://schemas.microsoft.com/office/drawing/2014/main" id="{5B14DB1C-977E-B070-6380-CA2091E6CE65}"/>
+                <a16:creationId xmlns:a16="http://schemas.microsoft.com/office/drawing/2014/main" id="{1158F2E5-168D-C58E-87A3-A63C699A6FA2}"/>
               </a:ext>
             </a:extLst>
           </p:cNvPr>
@@ -1131,7 +1131,7 @@
           <a:bodyPr/>
           <a:lstStyle/>
           <a:p>
-            <a:fld id="{3730D34E-EBB2-4611-AADB-891AE8CACE70}" type="datetimeFigureOut">
+            <a:fld id="{69300511-5164-4E58-8431-41087E263EEB}" type="datetimeFigureOut">
               <a:rPr lang="zh-CN" altLang="en-US" smtClean="0"/>
               <a:t>2024/3/10</a:t>
             </a:fld>
@@ -1144,7 +1144,7 @@
           <p:cNvPr id="5" name="页脚占位符 4">
             <a:extLst>
               <a:ext uri="{FF2B5EF4-FFF2-40B4-BE49-F238E27FC236}">
-                <a16:creationId xmlns:a16="http://schemas.microsoft.com/office/drawing/2014/main" id="{8420B31E-AE65-47AA-7D0E-7676D6DE8EEC}"/>
+                <a16:creationId xmlns:a16="http://schemas.microsoft.com/office/drawing/2014/main" id="{48AE9F4D-FA28-13F0-43B1-7C1CC83777A4}"/>
               </a:ext>
             </a:extLst>
           </p:cNvPr>
@@ -1169,7 +1169,7 @@
           <p:cNvPr id="6" name="灯片编号占位符 5">
             <a:extLst>
               <a:ext uri="{FF2B5EF4-FFF2-40B4-BE49-F238E27FC236}">
-                <a16:creationId xmlns:a16="http://schemas.microsoft.com/office/drawing/2014/main" id="{C6F14E8F-A65A-59C9-D7F6-0291131A6EF8}"/>
+                <a16:creationId xmlns:a16="http://schemas.microsoft.com/office/drawing/2014/main" id="{870D91F2-1AC7-EDC8-EB3B-6ABE73B4E00F}"/>
               </a:ext>
             </a:extLst>
           </p:cNvPr>
@@ -1185,7 +1185,7 @@
           <a:bodyPr/>
           <a:lstStyle/>
           <a:p>
-            <a:fld id="{6E90E8A1-F3A3-4F0A-B975-73D3644B80B9}" type="slidenum">
+            <a:fld id="{85DF8C5A-037D-45F4-8DCE-E157C8735251}" type="slidenum">
               <a:rPr lang="zh-CN" altLang="en-US" smtClean="0"/>
               <a:t>‹#›</a:t>
             </a:fld>
@@ -1196,7 +1196,7 @@
     </p:spTree>
     <p:extLst>
       <p:ext uri="{BB962C8B-B14F-4D97-AF65-F5344CB8AC3E}">
-        <p14:creationId xmlns:p14="http://schemas.microsoft.com/office/powerpoint/2010/main" val="1693530105"/>
+        <p14:creationId xmlns:p14="http://schemas.microsoft.com/office/powerpoint/2010/main" val="1191775295"/>
       </p:ext>
     </p:extLst>
   </p:cSld>
@@ -1228,7 +1228,7 @@
           <p:cNvPr id="2" name="标题 1">
             <a:extLst>
               <a:ext uri="{FF2B5EF4-FFF2-40B4-BE49-F238E27FC236}">
-                <a16:creationId xmlns:a16="http://schemas.microsoft.com/office/drawing/2014/main" id="{A984EC20-54E5-BDF7-97BE-2DF6B4BBFC74}"/>
+                <a16:creationId xmlns:a16="http://schemas.microsoft.com/office/drawing/2014/main" id="{090CB9D9-2E1E-288E-6C3D-5CF53B2302F9}"/>
               </a:ext>
             </a:extLst>
           </p:cNvPr>
@@ -1256,7 +1256,7 @@
           <p:cNvPr id="3" name="内容占位符 2">
             <a:extLst>
               <a:ext uri="{FF2B5EF4-FFF2-40B4-BE49-F238E27FC236}">
-                <a16:creationId xmlns:a16="http://schemas.microsoft.com/office/drawing/2014/main" id="{DB47C6A8-472A-A14A-C8FF-8DF6A93BA6F9}"/>
+                <a16:creationId xmlns:a16="http://schemas.microsoft.com/office/drawing/2014/main" id="{B96E6C66-6735-82EB-37DB-2B3E4BB1EA87}"/>
               </a:ext>
             </a:extLst>
           </p:cNvPr>
@@ -1318,7 +1318,7 @@
           <p:cNvPr id="4" name="内容占位符 3">
             <a:extLst>
               <a:ext uri="{FF2B5EF4-FFF2-40B4-BE49-F238E27FC236}">
-                <a16:creationId xmlns:a16="http://schemas.microsoft.com/office/drawing/2014/main" id="{A9A824B6-9A09-9970-D1DB-C277B74339E6}"/>
+                <a16:creationId xmlns:a16="http://schemas.microsoft.com/office/drawing/2014/main" id="{CFA12409-CC91-C8D7-CD57-232BE3793B57}"/>
               </a:ext>
             </a:extLst>
           </p:cNvPr>
@@ -1380,7 +1380,7 @@
           <p:cNvPr id="5" name="日期占位符 4">
             <a:extLst>
               <a:ext uri="{FF2B5EF4-FFF2-40B4-BE49-F238E27FC236}">
-                <a16:creationId xmlns:a16="http://schemas.microsoft.com/office/drawing/2014/main" id="{8D3EDAB4-1E58-9669-39E9-F51F1A394B65}"/>
+                <a16:creationId xmlns:a16="http://schemas.microsoft.com/office/drawing/2014/main" id="{837DF7C0-2ACE-CE04-6AE3-A5C1386FFEAB}"/>
               </a:ext>
             </a:extLst>
           </p:cNvPr>
@@ -1396,7 +1396,7 @@
           <a:bodyPr/>
           <a:lstStyle/>
           <a:p>
-            <a:fld id="{3730D34E-EBB2-4611-AADB-891AE8CACE70}" type="datetimeFigureOut">
+            <a:fld id="{69300511-5164-4E58-8431-41087E263EEB}" type="datetimeFigureOut">
               <a:rPr lang="zh-CN" altLang="en-US" smtClean="0"/>
               <a:t>2024/3/10</a:t>
             </a:fld>
@@ -1409,7 +1409,7 @@
           <p:cNvPr id="6" name="页脚占位符 5">
             <a:extLst>
               <a:ext uri="{FF2B5EF4-FFF2-40B4-BE49-F238E27FC236}">
-                <a16:creationId xmlns:a16="http://schemas.microsoft.com/office/drawing/2014/main" id="{8C7FCAFB-F14B-E222-6CBF-A32852A6BDA4}"/>
+                <a16:creationId xmlns:a16="http://schemas.microsoft.com/office/drawing/2014/main" id="{B708512E-20DB-379F-D3FD-C0DD6BF78B8D}"/>
               </a:ext>
             </a:extLst>
           </p:cNvPr>
@@ -1434,7 +1434,7 @@
           <p:cNvPr id="7" name="灯片编号占位符 6">
             <a:extLst>
               <a:ext uri="{FF2B5EF4-FFF2-40B4-BE49-F238E27FC236}">
-                <a16:creationId xmlns:a16="http://schemas.microsoft.com/office/drawing/2014/main" id="{F593476B-73F1-226A-0C26-55C47C501F38}"/>
+                <a16:creationId xmlns:a16="http://schemas.microsoft.com/office/drawing/2014/main" id="{0F5F0FE4-5B92-FC77-AC02-470EFDC92818}"/>
               </a:ext>
             </a:extLst>
           </p:cNvPr>
@@ -1450,7 +1450,7 @@
           <a:bodyPr/>
           <a:lstStyle/>
           <a:p>
-            <a:fld id="{6E90E8A1-F3A3-4F0A-B975-73D3644B80B9}" type="slidenum">
+            <a:fld id="{85DF8C5A-037D-45F4-8DCE-E157C8735251}" type="slidenum">
               <a:rPr lang="zh-CN" altLang="en-US" smtClean="0"/>
               <a:t>‹#›</a:t>
             </a:fld>
@@ -1461,7 +1461,7 @@
     </p:spTree>
     <p:extLst>
       <p:ext uri="{BB962C8B-B14F-4D97-AF65-F5344CB8AC3E}">
-        <p14:creationId xmlns:p14="http://schemas.microsoft.com/office/powerpoint/2010/main" val="2915758343"/>
+        <p14:creationId xmlns:p14="http://schemas.microsoft.com/office/powerpoint/2010/main" val="3356649667"/>
       </p:ext>
     </p:extLst>
   </p:cSld>
@@ -1493,7 +1493,7 @@
           <p:cNvPr id="2" name="标题 1">
             <a:extLst>
               <a:ext uri="{FF2B5EF4-FFF2-40B4-BE49-F238E27FC236}">
-                <a16:creationId xmlns:a16="http://schemas.microsoft.com/office/drawing/2014/main" id="{3EF38520-2C02-5978-3D33-880EF2280830}"/>
+                <a16:creationId xmlns:a16="http://schemas.microsoft.com/office/drawing/2014/main" id="{C10D9AFF-B069-AAD5-18B2-9D1A66D30808}"/>
               </a:ext>
             </a:extLst>
           </p:cNvPr>
@@ -1526,7 +1526,7 @@
           <p:cNvPr id="3" name="文本占位符 2">
             <a:extLst>
               <a:ext uri="{FF2B5EF4-FFF2-40B4-BE49-F238E27FC236}">
-                <a16:creationId xmlns:a16="http://schemas.microsoft.com/office/drawing/2014/main" id="{5DFCB90F-0717-BC98-8842-9419BB93ABF6}"/>
+                <a16:creationId xmlns:a16="http://schemas.microsoft.com/office/drawing/2014/main" id="{02647F66-417A-7A42-9087-71043F483806}"/>
               </a:ext>
             </a:extLst>
           </p:cNvPr>
@@ -1597,7 +1597,7 @@
           <p:cNvPr id="4" name="内容占位符 3">
             <a:extLst>
               <a:ext uri="{FF2B5EF4-FFF2-40B4-BE49-F238E27FC236}">
-                <a16:creationId xmlns:a16="http://schemas.microsoft.com/office/drawing/2014/main" id="{3431BBBC-9399-C3EE-74C2-DA88406E7B10}"/>
+                <a16:creationId xmlns:a16="http://schemas.microsoft.com/office/drawing/2014/main" id="{6631D016-17B7-DAF7-D8F1-A32BC1E9E752}"/>
               </a:ext>
             </a:extLst>
           </p:cNvPr>
@@ -1659,7 +1659,7 @@
           <p:cNvPr id="5" name="文本占位符 4">
             <a:extLst>
               <a:ext uri="{FF2B5EF4-FFF2-40B4-BE49-F238E27FC236}">
-                <a16:creationId xmlns:a16="http://schemas.microsoft.com/office/drawing/2014/main" id="{A429DC43-0E8F-4213-094B-1AC081345C8F}"/>
+                <a16:creationId xmlns:a16="http://schemas.microsoft.com/office/drawing/2014/main" id="{6655A2FC-3C6C-BA79-CA57-02E5DF1EA28F}"/>
               </a:ext>
             </a:extLst>
           </p:cNvPr>
@@ -1730,7 +1730,7 @@
           <p:cNvPr id="6" name="内容占位符 5">
             <a:extLst>
               <a:ext uri="{FF2B5EF4-FFF2-40B4-BE49-F238E27FC236}">
-                <a16:creationId xmlns:a16="http://schemas.microsoft.com/office/drawing/2014/main" id="{C056CE4F-978B-5689-DA3B-0E6D11927958}"/>
+                <a16:creationId xmlns:a16="http://schemas.microsoft.com/office/drawing/2014/main" id="{742C5D7D-12A5-BE3D-3B5A-A11D44A9A326}"/>
               </a:ext>
             </a:extLst>
           </p:cNvPr>
@@ -1792,7 +1792,7 @@
           <p:cNvPr id="7" name="日期占位符 6">
             <a:extLst>
               <a:ext uri="{FF2B5EF4-FFF2-40B4-BE49-F238E27FC236}">
-                <a16:creationId xmlns:a16="http://schemas.microsoft.com/office/drawing/2014/main" id="{0C8176FB-3A1A-2E7D-51E7-CB7023D2B9BA}"/>
+                <a16:creationId xmlns:a16="http://schemas.microsoft.com/office/drawing/2014/main" id="{30102DD9-C878-BC26-0593-8BBA1A964F0D}"/>
               </a:ext>
             </a:extLst>
           </p:cNvPr>
@@ -1808,7 +1808,7 @@
           <a:bodyPr/>
           <a:lstStyle/>
           <a:p>
-            <a:fld id="{3730D34E-EBB2-4611-AADB-891AE8CACE70}" type="datetimeFigureOut">
+            <a:fld id="{69300511-5164-4E58-8431-41087E263EEB}" type="datetimeFigureOut">
               <a:rPr lang="zh-CN" altLang="en-US" smtClean="0"/>
               <a:t>2024/3/10</a:t>
             </a:fld>
@@ -1821,7 +1821,7 @@
           <p:cNvPr id="8" name="页脚占位符 7">
             <a:extLst>
               <a:ext uri="{FF2B5EF4-FFF2-40B4-BE49-F238E27FC236}">
-                <a16:creationId xmlns:a16="http://schemas.microsoft.com/office/drawing/2014/main" id="{CD64209C-F904-8960-0E47-14743C2E293F}"/>
+                <a16:creationId xmlns:a16="http://schemas.microsoft.com/office/drawing/2014/main" id="{AE34308C-8754-6FC0-4C1F-7A306190D9A5}"/>
               </a:ext>
             </a:extLst>
           </p:cNvPr>
@@ -1846,7 +1846,7 @@
           <p:cNvPr id="9" name="灯片编号占位符 8">
             <a:extLst>
               <a:ext uri="{FF2B5EF4-FFF2-40B4-BE49-F238E27FC236}">
-                <a16:creationId xmlns:a16="http://schemas.microsoft.com/office/drawing/2014/main" id="{73FD72B8-DDE2-0998-2270-FCC379C37F50}"/>
+                <a16:creationId xmlns:a16="http://schemas.microsoft.com/office/drawing/2014/main" id="{FBB98CD8-C27D-B7DE-A989-737CFEAA5300}"/>
               </a:ext>
             </a:extLst>
           </p:cNvPr>
@@ -1862,7 +1862,7 @@
           <a:bodyPr/>
           <a:lstStyle/>
           <a:p>
-            <a:fld id="{6E90E8A1-F3A3-4F0A-B975-73D3644B80B9}" type="slidenum">
+            <a:fld id="{85DF8C5A-037D-45F4-8DCE-E157C8735251}" type="slidenum">
               <a:rPr lang="zh-CN" altLang="en-US" smtClean="0"/>
               <a:t>‹#›</a:t>
             </a:fld>
@@ -1873,7 +1873,7 @@
     </p:spTree>
     <p:extLst>
       <p:ext uri="{BB962C8B-B14F-4D97-AF65-F5344CB8AC3E}">
-        <p14:creationId xmlns:p14="http://schemas.microsoft.com/office/powerpoint/2010/main" val="2093822404"/>
+        <p14:creationId xmlns:p14="http://schemas.microsoft.com/office/powerpoint/2010/main" val="3024683797"/>
       </p:ext>
     </p:extLst>
   </p:cSld>
@@ -1905,7 +1905,7 @@
           <p:cNvPr id="2" name="标题 1">
             <a:extLst>
               <a:ext uri="{FF2B5EF4-FFF2-40B4-BE49-F238E27FC236}">
-                <a16:creationId xmlns:a16="http://schemas.microsoft.com/office/drawing/2014/main" id="{4B1BB032-7C9D-8346-A32B-CB106DA3D47A}"/>
+                <a16:creationId xmlns:a16="http://schemas.microsoft.com/office/drawing/2014/main" id="{9E600927-AA71-F911-2555-76544FBBF410}"/>
               </a:ext>
             </a:extLst>
           </p:cNvPr>
@@ -1933,7 +1933,7 @@
           <p:cNvPr id="3" name="日期占位符 2">
             <a:extLst>
               <a:ext uri="{FF2B5EF4-FFF2-40B4-BE49-F238E27FC236}">
-                <a16:creationId xmlns:a16="http://schemas.microsoft.com/office/drawing/2014/main" id="{FBAF893E-E80F-2170-7FD4-3D4FABF35A94}"/>
+                <a16:creationId xmlns:a16="http://schemas.microsoft.com/office/drawing/2014/main" id="{B633C573-7203-C92E-FBEB-3C140B4C77DB}"/>
               </a:ext>
             </a:extLst>
           </p:cNvPr>
@@ -1949,7 +1949,7 @@
           <a:bodyPr/>
           <a:lstStyle/>
           <a:p>
-            <a:fld id="{3730D34E-EBB2-4611-AADB-891AE8CACE70}" type="datetimeFigureOut">
+            <a:fld id="{69300511-5164-4E58-8431-41087E263EEB}" type="datetimeFigureOut">
               <a:rPr lang="zh-CN" altLang="en-US" smtClean="0"/>
               <a:t>2024/3/10</a:t>
             </a:fld>
@@ -1962,7 +1962,7 @@
           <p:cNvPr id="4" name="页脚占位符 3">
             <a:extLst>
               <a:ext uri="{FF2B5EF4-FFF2-40B4-BE49-F238E27FC236}">
-                <a16:creationId xmlns:a16="http://schemas.microsoft.com/office/drawing/2014/main" id="{CD639CF5-459A-943F-32B0-9F7C3F94F42B}"/>
+                <a16:creationId xmlns:a16="http://schemas.microsoft.com/office/drawing/2014/main" id="{A5DA62FD-B92D-9CF8-8F9F-9F78B2E599F9}"/>
               </a:ext>
             </a:extLst>
           </p:cNvPr>
@@ -1987,7 +1987,7 @@
           <p:cNvPr id="5" name="灯片编号占位符 4">
             <a:extLst>
               <a:ext uri="{FF2B5EF4-FFF2-40B4-BE49-F238E27FC236}">
-                <a16:creationId xmlns:a16="http://schemas.microsoft.com/office/drawing/2014/main" id="{88DC331B-D8CB-8A8A-5A83-C4011912C7A1}"/>
+                <a16:creationId xmlns:a16="http://schemas.microsoft.com/office/drawing/2014/main" id="{C3FBAED5-1B6B-A0F7-DE7B-BDAE7C3E754D}"/>
               </a:ext>
             </a:extLst>
           </p:cNvPr>
@@ -2003,7 +2003,7 @@
           <a:bodyPr/>
           <a:lstStyle/>
           <a:p>
-            <a:fld id="{6E90E8A1-F3A3-4F0A-B975-73D3644B80B9}" type="slidenum">
+            <a:fld id="{85DF8C5A-037D-45F4-8DCE-E157C8735251}" type="slidenum">
               <a:rPr lang="zh-CN" altLang="en-US" smtClean="0"/>
               <a:t>‹#›</a:t>
             </a:fld>
@@ -2014,7 +2014,7 @@
     </p:spTree>
     <p:extLst>
       <p:ext uri="{BB962C8B-B14F-4D97-AF65-F5344CB8AC3E}">
-        <p14:creationId xmlns:p14="http://schemas.microsoft.com/office/powerpoint/2010/main" val="516239123"/>
+        <p14:creationId xmlns:p14="http://schemas.microsoft.com/office/powerpoint/2010/main" val="3091747452"/>
       </p:ext>
     </p:extLst>
   </p:cSld>
@@ -2046,7 +2046,7 @@
           <p:cNvPr id="2" name="日期占位符 1">
             <a:extLst>
               <a:ext uri="{FF2B5EF4-FFF2-40B4-BE49-F238E27FC236}">
-                <a16:creationId xmlns:a16="http://schemas.microsoft.com/office/drawing/2014/main" id="{B8DA7B98-6FD4-E3C1-9E35-BF44E0F7CAA0}"/>
+                <a16:creationId xmlns:a16="http://schemas.microsoft.com/office/drawing/2014/main" id="{9A76232D-E329-7C45-A413-208C0658E936}"/>
               </a:ext>
             </a:extLst>
           </p:cNvPr>
@@ -2062,7 +2062,7 @@
           <a:bodyPr/>
           <a:lstStyle/>
           <a:p>
-            <a:fld id="{3730D34E-EBB2-4611-AADB-891AE8CACE70}" type="datetimeFigureOut">
+            <a:fld id="{69300511-5164-4E58-8431-41087E263EEB}" type="datetimeFigureOut">
               <a:rPr lang="zh-CN" altLang="en-US" smtClean="0"/>
               <a:t>2024/3/10</a:t>
             </a:fld>
@@ -2075,7 +2075,7 @@
           <p:cNvPr id="3" name="页脚占位符 2">
             <a:extLst>
               <a:ext uri="{FF2B5EF4-FFF2-40B4-BE49-F238E27FC236}">
-                <a16:creationId xmlns:a16="http://schemas.microsoft.com/office/drawing/2014/main" id="{B07903CA-3FAA-FE92-1A9D-A96837D5B7BA}"/>
+                <a16:creationId xmlns:a16="http://schemas.microsoft.com/office/drawing/2014/main" id="{A140E1E4-7268-1040-FDFC-2CFB6EEEA27E}"/>
               </a:ext>
             </a:extLst>
           </p:cNvPr>
@@ -2100,7 +2100,7 @@
           <p:cNvPr id="4" name="灯片编号占位符 3">
             <a:extLst>
               <a:ext uri="{FF2B5EF4-FFF2-40B4-BE49-F238E27FC236}">
-                <a16:creationId xmlns:a16="http://schemas.microsoft.com/office/drawing/2014/main" id="{9E8D9978-1A6B-C2A4-B05C-49BFB9A15F01}"/>
+                <a16:creationId xmlns:a16="http://schemas.microsoft.com/office/drawing/2014/main" id="{D6AFA344-DDA4-7C1F-250A-26CC1F164D62}"/>
               </a:ext>
             </a:extLst>
           </p:cNvPr>
@@ -2116,7 +2116,7 @@
           <a:bodyPr/>
           <a:lstStyle/>
           <a:p>
-            <a:fld id="{6E90E8A1-F3A3-4F0A-B975-73D3644B80B9}" type="slidenum">
+            <a:fld id="{85DF8C5A-037D-45F4-8DCE-E157C8735251}" type="slidenum">
               <a:rPr lang="zh-CN" altLang="en-US" smtClean="0"/>
               <a:t>‹#›</a:t>
             </a:fld>
@@ -2127,7 +2127,7 @@
     </p:spTree>
     <p:extLst>
       <p:ext uri="{BB962C8B-B14F-4D97-AF65-F5344CB8AC3E}">
-        <p14:creationId xmlns:p14="http://schemas.microsoft.com/office/powerpoint/2010/main" val="1820910278"/>
+        <p14:creationId xmlns:p14="http://schemas.microsoft.com/office/powerpoint/2010/main" val="391836642"/>
       </p:ext>
     </p:extLst>
   </p:cSld>
@@ -2159,7 +2159,7 @@
           <p:cNvPr id="2" name="标题 1">
             <a:extLst>
               <a:ext uri="{FF2B5EF4-FFF2-40B4-BE49-F238E27FC236}">
-                <a16:creationId xmlns:a16="http://schemas.microsoft.com/office/drawing/2014/main" id="{D2E754D2-89A4-AFCF-4C23-B876F2E60F1C}"/>
+                <a16:creationId xmlns:a16="http://schemas.microsoft.com/office/drawing/2014/main" id="{86291D40-D93C-EE26-9689-98E313BA1497}"/>
               </a:ext>
             </a:extLst>
           </p:cNvPr>
@@ -2196,7 +2196,7 @@
           <p:cNvPr id="3" name="内容占位符 2">
             <a:extLst>
               <a:ext uri="{FF2B5EF4-FFF2-40B4-BE49-F238E27FC236}">
-                <a16:creationId xmlns:a16="http://schemas.microsoft.com/office/drawing/2014/main" id="{4735A727-9F7E-BC98-001F-86120E8B1B84}"/>
+                <a16:creationId xmlns:a16="http://schemas.microsoft.com/office/drawing/2014/main" id="{879044F2-C040-3474-CDE0-AD811777F1B0}"/>
               </a:ext>
             </a:extLst>
           </p:cNvPr>
@@ -2286,7 +2286,7 @@
           <p:cNvPr id="4" name="文本占位符 3">
             <a:extLst>
               <a:ext uri="{FF2B5EF4-FFF2-40B4-BE49-F238E27FC236}">
-                <a16:creationId xmlns:a16="http://schemas.microsoft.com/office/drawing/2014/main" id="{245B08DD-1AA0-AC0F-A902-B5C309D3D19A}"/>
+                <a16:creationId xmlns:a16="http://schemas.microsoft.com/office/drawing/2014/main" id="{6FC1E49C-A8D0-2261-9210-AE8E85F7EC6D}"/>
               </a:ext>
             </a:extLst>
           </p:cNvPr>
@@ -2357,7 +2357,7 @@
           <p:cNvPr id="5" name="日期占位符 4">
             <a:extLst>
               <a:ext uri="{FF2B5EF4-FFF2-40B4-BE49-F238E27FC236}">
-                <a16:creationId xmlns:a16="http://schemas.microsoft.com/office/drawing/2014/main" id="{319EA089-0640-BD0D-A779-8C49F486F658}"/>
+                <a16:creationId xmlns:a16="http://schemas.microsoft.com/office/drawing/2014/main" id="{B127084F-A8DE-8FAA-4031-B1778C9E7A74}"/>
               </a:ext>
             </a:extLst>
           </p:cNvPr>
@@ -2373,7 +2373,7 @@
           <a:bodyPr/>
           <a:lstStyle/>
           <a:p>
-            <a:fld id="{3730D34E-EBB2-4611-AADB-891AE8CACE70}" type="datetimeFigureOut">
+            <a:fld id="{69300511-5164-4E58-8431-41087E263EEB}" type="datetimeFigureOut">
               <a:rPr lang="zh-CN" altLang="en-US" smtClean="0"/>
               <a:t>2024/3/10</a:t>
             </a:fld>
@@ -2386,7 +2386,7 @@
           <p:cNvPr id="6" name="页脚占位符 5">
             <a:extLst>
               <a:ext uri="{FF2B5EF4-FFF2-40B4-BE49-F238E27FC236}">
-                <a16:creationId xmlns:a16="http://schemas.microsoft.com/office/drawing/2014/main" id="{54FC51F7-538D-68F4-2FA8-19A6841F3299}"/>
+                <a16:creationId xmlns:a16="http://schemas.microsoft.com/office/drawing/2014/main" id="{82E90A83-50DE-6758-5F18-1FABBC1A6CAE}"/>
               </a:ext>
             </a:extLst>
           </p:cNvPr>
@@ -2411,7 +2411,7 @@
           <p:cNvPr id="7" name="灯片编号占位符 6">
             <a:extLst>
               <a:ext uri="{FF2B5EF4-FFF2-40B4-BE49-F238E27FC236}">
-                <a16:creationId xmlns:a16="http://schemas.microsoft.com/office/drawing/2014/main" id="{28274F88-F811-C263-A82D-C954CB8D45DA}"/>
+                <a16:creationId xmlns:a16="http://schemas.microsoft.com/office/drawing/2014/main" id="{F433FB95-FC96-15A1-CBC8-ECB50869D351}"/>
               </a:ext>
             </a:extLst>
           </p:cNvPr>
@@ -2427,7 +2427,7 @@
           <a:bodyPr/>
           <a:lstStyle/>
           <a:p>
-            <a:fld id="{6E90E8A1-F3A3-4F0A-B975-73D3644B80B9}" type="slidenum">
+            <a:fld id="{85DF8C5A-037D-45F4-8DCE-E157C8735251}" type="slidenum">
               <a:rPr lang="zh-CN" altLang="en-US" smtClean="0"/>
               <a:t>‹#›</a:t>
             </a:fld>
@@ -2438,7 +2438,7 @@
     </p:spTree>
     <p:extLst>
       <p:ext uri="{BB962C8B-B14F-4D97-AF65-F5344CB8AC3E}">
-        <p14:creationId xmlns:p14="http://schemas.microsoft.com/office/powerpoint/2010/main" val="3109207217"/>
+        <p14:creationId xmlns:p14="http://schemas.microsoft.com/office/powerpoint/2010/main" val="3638286639"/>
       </p:ext>
     </p:extLst>
   </p:cSld>
@@ -2470,7 +2470,7 @@
           <p:cNvPr id="2" name="标题 1">
             <a:extLst>
               <a:ext uri="{FF2B5EF4-FFF2-40B4-BE49-F238E27FC236}">
-                <a16:creationId xmlns:a16="http://schemas.microsoft.com/office/drawing/2014/main" id="{50F71F7D-C26E-35A8-C622-F4DC2ABEE6E0}"/>
+                <a16:creationId xmlns:a16="http://schemas.microsoft.com/office/drawing/2014/main" id="{AFE5CD99-6883-A24C-0F0A-9D5347C68A6D}"/>
               </a:ext>
             </a:extLst>
           </p:cNvPr>
@@ -2507,7 +2507,7 @@
           <p:cNvPr id="3" name="图片占位符 2">
             <a:extLst>
               <a:ext uri="{FF2B5EF4-FFF2-40B4-BE49-F238E27FC236}">
-                <a16:creationId xmlns:a16="http://schemas.microsoft.com/office/drawing/2014/main" id="{1B43856A-3C3C-26D4-3760-AA4FA93E6D26}"/>
+                <a16:creationId xmlns:a16="http://schemas.microsoft.com/office/drawing/2014/main" id="{EC9FB74E-E369-4589-106F-C317F37A884E}"/>
               </a:ext>
             </a:extLst>
           </p:cNvPr>
@@ -2574,7 +2574,7 @@
           <p:cNvPr id="4" name="文本占位符 3">
             <a:extLst>
               <a:ext uri="{FF2B5EF4-FFF2-40B4-BE49-F238E27FC236}">
-                <a16:creationId xmlns:a16="http://schemas.microsoft.com/office/drawing/2014/main" id="{1AC8E153-73AE-F416-A18B-36B7C2E78CD6}"/>
+                <a16:creationId xmlns:a16="http://schemas.microsoft.com/office/drawing/2014/main" id="{52956205-CFA5-DF0A-B848-DA8546413E9C}"/>
               </a:ext>
             </a:extLst>
           </p:cNvPr>
@@ -2645,7 +2645,7 @@
           <p:cNvPr id="5" name="日期占位符 4">
             <a:extLst>
               <a:ext uri="{FF2B5EF4-FFF2-40B4-BE49-F238E27FC236}">
-                <a16:creationId xmlns:a16="http://schemas.microsoft.com/office/drawing/2014/main" id="{5F97EE93-CC20-23F5-6C55-6394664F910E}"/>
+                <a16:creationId xmlns:a16="http://schemas.microsoft.com/office/drawing/2014/main" id="{513BD7BE-0795-C3E2-FBF1-D3BA051E821B}"/>
               </a:ext>
             </a:extLst>
           </p:cNvPr>
@@ -2661,7 +2661,7 @@
           <a:bodyPr/>
           <a:lstStyle/>
           <a:p>
-            <a:fld id="{3730D34E-EBB2-4611-AADB-891AE8CACE70}" type="datetimeFigureOut">
+            <a:fld id="{69300511-5164-4E58-8431-41087E263EEB}" type="datetimeFigureOut">
               <a:rPr lang="zh-CN" altLang="en-US" smtClean="0"/>
               <a:t>2024/3/10</a:t>
             </a:fld>
@@ -2674,7 +2674,7 @@
           <p:cNvPr id="6" name="页脚占位符 5">
             <a:extLst>
               <a:ext uri="{FF2B5EF4-FFF2-40B4-BE49-F238E27FC236}">
-                <a16:creationId xmlns:a16="http://schemas.microsoft.com/office/drawing/2014/main" id="{B863ED00-92A4-84D5-66CC-D5E1A8CB44A3}"/>
+                <a16:creationId xmlns:a16="http://schemas.microsoft.com/office/drawing/2014/main" id="{6CAEF63E-751A-071C-78D2-BC4E22B9A167}"/>
               </a:ext>
             </a:extLst>
           </p:cNvPr>
@@ -2699,7 +2699,7 @@
           <p:cNvPr id="7" name="灯片编号占位符 6">
             <a:extLst>
               <a:ext uri="{FF2B5EF4-FFF2-40B4-BE49-F238E27FC236}">
-                <a16:creationId xmlns:a16="http://schemas.microsoft.com/office/drawing/2014/main" id="{4E6ADC2F-1149-DAAD-4064-C1808D963B29}"/>
+                <a16:creationId xmlns:a16="http://schemas.microsoft.com/office/drawing/2014/main" id="{D5C656F6-A49C-425D-3222-95260442D8FC}"/>
               </a:ext>
             </a:extLst>
           </p:cNvPr>
@@ -2715,7 +2715,7 @@
           <a:bodyPr/>
           <a:lstStyle/>
           <a:p>
-            <a:fld id="{6E90E8A1-F3A3-4F0A-B975-73D3644B80B9}" type="slidenum">
+            <a:fld id="{85DF8C5A-037D-45F4-8DCE-E157C8735251}" type="slidenum">
               <a:rPr lang="zh-CN" altLang="en-US" smtClean="0"/>
               <a:t>‹#›</a:t>
             </a:fld>
@@ -2726,7 +2726,7 @@
     </p:spTree>
     <p:extLst>
       <p:ext uri="{BB962C8B-B14F-4D97-AF65-F5344CB8AC3E}">
-        <p14:creationId xmlns:p14="http://schemas.microsoft.com/office/powerpoint/2010/main" val="471303032"/>
+        <p14:creationId xmlns:p14="http://schemas.microsoft.com/office/powerpoint/2010/main" val="3080369914"/>
       </p:ext>
     </p:extLst>
   </p:cSld>
@@ -2763,7 +2763,7 @@
           <p:cNvPr id="2" name="标题占位符 1">
             <a:extLst>
               <a:ext uri="{FF2B5EF4-FFF2-40B4-BE49-F238E27FC236}">
-                <a16:creationId xmlns:a16="http://schemas.microsoft.com/office/drawing/2014/main" id="{11A947A2-683B-D87D-EF20-4C721E82D3A2}"/>
+                <a16:creationId xmlns:a16="http://schemas.microsoft.com/office/drawing/2014/main" id="{64332534-0F86-815F-2EC7-2A42585B511D}"/>
               </a:ext>
             </a:extLst>
           </p:cNvPr>
@@ -2801,7 +2801,7 @@
           <p:cNvPr id="3" name="文本占位符 2">
             <a:extLst>
               <a:ext uri="{FF2B5EF4-FFF2-40B4-BE49-F238E27FC236}">
-                <a16:creationId xmlns:a16="http://schemas.microsoft.com/office/drawing/2014/main" id="{941CBCF4-A927-4FD3-4BDD-7C9AFFDD464B}"/>
+                <a16:creationId xmlns:a16="http://schemas.microsoft.com/office/drawing/2014/main" id="{BA777356-4DD2-9A67-BDE6-89B11F64F96A}"/>
               </a:ext>
             </a:extLst>
           </p:cNvPr>
@@ -2868,7 +2868,7 @@
           <p:cNvPr id="4" name="日期占位符 3">
             <a:extLst>
               <a:ext uri="{FF2B5EF4-FFF2-40B4-BE49-F238E27FC236}">
-                <a16:creationId xmlns:a16="http://schemas.microsoft.com/office/drawing/2014/main" id="{FF75B167-BBB5-AA57-C1B4-DC873E04244B}"/>
+                <a16:creationId xmlns:a16="http://schemas.microsoft.com/office/drawing/2014/main" id="{69A8D001-A142-B3F0-8307-BD4DA4FE595F}"/>
               </a:ext>
             </a:extLst>
           </p:cNvPr>
@@ -2902,7 +2902,7 @@
             </a:lvl1pPr>
           </a:lstStyle>
           <a:p>
-            <a:fld id="{3730D34E-EBB2-4611-AADB-891AE8CACE70}" type="datetimeFigureOut">
+            <a:fld id="{69300511-5164-4E58-8431-41087E263EEB}" type="datetimeFigureOut">
               <a:rPr lang="zh-CN" altLang="en-US" smtClean="0"/>
               <a:t>2024/3/10</a:t>
             </a:fld>
@@ -2915,7 +2915,7 @@
           <p:cNvPr id="5" name="页脚占位符 4">
             <a:extLst>
               <a:ext uri="{FF2B5EF4-FFF2-40B4-BE49-F238E27FC236}">
-                <a16:creationId xmlns:a16="http://schemas.microsoft.com/office/drawing/2014/main" id="{8111AD75-E852-252C-0EF2-4A641D3B4851}"/>
+                <a16:creationId xmlns:a16="http://schemas.microsoft.com/office/drawing/2014/main" id="{AA30C2C0-2A4B-DC35-1C28-8645144265C4}"/>
               </a:ext>
             </a:extLst>
           </p:cNvPr>
@@ -2958,7 +2958,7 @@
           <p:cNvPr id="6" name="灯片编号占位符 5">
             <a:extLst>
               <a:ext uri="{FF2B5EF4-FFF2-40B4-BE49-F238E27FC236}">
-                <a16:creationId xmlns:a16="http://schemas.microsoft.com/office/drawing/2014/main" id="{8AD1DC2C-4138-E080-3F6E-3F84E68DD8FD}"/>
+                <a16:creationId xmlns:a16="http://schemas.microsoft.com/office/drawing/2014/main" id="{B53D5EA7-D597-D374-8CA1-B8C7C7157A44}"/>
               </a:ext>
             </a:extLst>
           </p:cNvPr>
@@ -2992,7 +2992,7 @@
             </a:lvl1pPr>
           </a:lstStyle>
           <a:p>
-            <a:fld id="{6E90E8A1-F3A3-4F0A-B975-73D3644B80B9}" type="slidenum">
+            <a:fld id="{85DF8C5A-037D-45F4-8DCE-E157C8735251}" type="slidenum">
               <a:rPr lang="zh-CN" altLang="en-US" smtClean="0"/>
               <a:t>‹#›</a:t>
             </a:fld>
@@ -3003,7 +3003,7 @@
     </p:spTree>
     <p:extLst>
       <p:ext uri="{BB962C8B-B14F-4D97-AF65-F5344CB8AC3E}">
-        <p14:creationId xmlns:p14="http://schemas.microsoft.com/office/powerpoint/2010/main" val="2158986640"/>
+        <p14:creationId xmlns:p14="http://schemas.microsoft.com/office/powerpoint/2010/main" val="4115613413"/>
       </p:ext>
     </p:extLst>
   </p:cSld>
